--- a/Presentation.pptx
+++ b/Presentation.pptx
@@ -110,6 +110,11 @@
       </a:defRPr>
     </a:lvl9pPr>
   </p:defaultTextStyle>
+  <p:extLst>
+    <p:ext uri="{EFAFB233-063F-42B5-8137-9DF3F51BA10A}">
+      <p15:sldGuideLst xmlns:p15="http://schemas.microsoft.com/office/powerpoint/2012/main"/>
+    </p:ext>
+  </p:extLst>
 </p:presentation>
 </file>
 
@@ -4399,7 +4404,7 @@
           <a:p>
             <a:fld id="{48A87A34-81AB-432B-8DAE-1953F412C126}" type="datetimeFigureOut">
               <a:rPr lang="en-US" dirty="0"/>
-              <a:t>5/10/2017</a:t>
+              <a:t>5/11/2017</a:t>
             </a:fld>
             <a:endParaRPr lang="en-US" dirty="0"/>
           </a:p>
@@ -4661,7 +4666,7 @@
           <a:p>
             <a:fld id="{48A87A34-81AB-432B-8DAE-1953F412C126}" type="datetimeFigureOut">
               <a:rPr lang="en-US" dirty="0"/>
-              <a:t>5/10/2017</a:t>
+              <a:t>5/11/2017</a:t>
             </a:fld>
             <a:endParaRPr lang="en-US" dirty="0"/>
           </a:p>
@@ -4852,7 +4857,7 @@
           <a:p>
             <a:fld id="{48A87A34-81AB-432B-8DAE-1953F412C126}" type="datetimeFigureOut">
               <a:rPr lang="en-US" dirty="0"/>
-              <a:t>5/10/2017</a:t>
+              <a:t>5/11/2017</a:t>
             </a:fld>
             <a:endParaRPr lang="en-US" dirty="0"/>
           </a:p>
@@ -5110,7 +5115,7 @@
           <a:p>
             <a:fld id="{48A87A34-81AB-432B-8DAE-1953F412C126}" type="datetimeFigureOut">
               <a:rPr lang="en-US" dirty="0"/>
-              <a:t>5/10/2017</a:t>
+              <a:t>5/11/2017</a:t>
             </a:fld>
             <a:endParaRPr lang="en-US" dirty="0"/>
           </a:p>
@@ -5539,7 +5544,7 @@
           <a:p>
             <a:fld id="{48A87A34-81AB-432B-8DAE-1953F412C126}" type="datetimeFigureOut">
               <a:rPr lang="en-US" dirty="0"/>
-              <a:t>5/10/2017</a:t>
+              <a:t>5/11/2017</a:t>
             </a:fld>
             <a:endParaRPr lang="en-US" dirty="0"/>
           </a:p>
@@ -6080,7 +6085,7 @@
           <a:p>
             <a:fld id="{48A87A34-81AB-432B-8DAE-1953F412C126}" type="datetimeFigureOut">
               <a:rPr lang="en-US" dirty="0"/>
-              <a:t>5/10/2017</a:t>
+              <a:t>5/11/2017</a:t>
             </a:fld>
             <a:endParaRPr lang="en-US" dirty="0"/>
           </a:p>
@@ -6795,7 +6800,7 @@
           <a:p>
             <a:fld id="{48A87A34-81AB-432B-8DAE-1953F412C126}" type="datetimeFigureOut">
               <a:rPr lang="en-US" dirty="0"/>
-              <a:t>5/10/2017</a:t>
+              <a:t>5/11/2017</a:t>
             </a:fld>
             <a:endParaRPr lang="en-US" dirty="0"/>
           </a:p>
@@ -6960,7 +6965,7 @@
           <a:p>
             <a:fld id="{48A87A34-81AB-432B-8DAE-1953F412C126}" type="datetimeFigureOut">
               <a:rPr lang="en-US" dirty="0"/>
-              <a:t>5/10/2017</a:t>
+              <a:t>5/11/2017</a:t>
             </a:fld>
             <a:endParaRPr lang="en-US" dirty="0"/>
           </a:p>
@@ -7135,7 +7140,7 @@
           <a:p>
             <a:fld id="{48A87A34-81AB-432B-8DAE-1953F412C126}" type="datetimeFigureOut">
               <a:rPr lang="en-US" dirty="0"/>
-              <a:t>5/10/2017</a:t>
+              <a:t>5/11/2017</a:t>
             </a:fld>
             <a:endParaRPr lang="en-US" dirty="0"/>
           </a:p>
@@ -7300,7 +7305,7 @@
           <a:p>
             <a:fld id="{48A87A34-81AB-432B-8DAE-1953F412C126}" type="datetimeFigureOut">
               <a:rPr lang="en-US" dirty="0"/>
-              <a:t>5/10/2017</a:t>
+              <a:t>5/11/2017</a:t>
             </a:fld>
             <a:endParaRPr lang="en-US" dirty="0"/>
           </a:p>
@@ -7545,7 +7550,7 @@
           <a:p>
             <a:fld id="{48A87A34-81AB-432B-8DAE-1953F412C126}" type="datetimeFigureOut">
               <a:rPr lang="en-US" dirty="0"/>
-              <a:t>5/10/2017</a:t>
+              <a:t>5/11/2017</a:t>
             </a:fld>
             <a:endParaRPr lang="en-US" dirty="0"/>
           </a:p>
@@ -7772,7 +7777,7 @@
           <a:p>
             <a:fld id="{48A87A34-81AB-432B-8DAE-1953F412C126}" type="datetimeFigureOut">
               <a:rPr lang="en-US" dirty="0"/>
-              <a:t>5/10/2017</a:t>
+              <a:t>5/11/2017</a:t>
             </a:fld>
             <a:endParaRPr lang="en-US" dirty="0"/>
           </a:p>
@@ -8148,7 +8153,7 @@
           <a:p>
             <a:fld id="{48A87A34-81AB-432B-8DAE-1953F412C126}" type="datetimeFigureOut">
               <a:rPr lang="en-US" dirty="0"/>
-              <a:t>5/10/2017</a:t>
+              <a:t>5/11/2017</a:t>
             </a:fld>
             <a:endParaRPr lang="en-US" dirty="0"/>
           </a:p>
@@ -8261,7 +8266,7 @@
           <a:p>
             <a:fld id="{48A87A34-81AB-432B-8DAE-1953F412C126}" type="datetimeFigureOut">
               <a:rPr lang="en-US" dirty="0"/>
-              <a:t>5/10/2017</a:t>
+              <a:t>5/11/2017</a:t>
             </a:fld>
             <a:endParaRPr lang="en-US" dirty="0"/>
           </a:p>
@@ -8351,7 +8356,7 @@
           <a:p>
             <a:fld id="{48A87A34-81AB-432B-8DAE-1953F412C126}" type="datetimeFigureOut">
               <a:rPr lang="en-US" dirty="0"/>
-              <a:t>5/10/2017</a:t>
+              <a:t>5/11/2017</a:t>
             </a:fld>
             <a:endParaRPr lang="en-US" dirty="0"/>
           </a:p>
@@ -8595,7 +8600,7 @@
           <a:p>
             <a:fld id="{48A87A34-81AB-432B-8DAE-1953F412C126}" type="datetimeFigureOut">
               <a:rPr lang="en-US" dirty="0"/>
-              <a:t>5/10/2017</a:t>
+              <a:t>5/11/2017</a:t>
             </a:fld>
             <a:endParaRPr lang="en-US" dirty="0"/>
           </a:p>
@@ -8870,7 +8875,7 @@
           <a:p>
             <a:fld id="{48A87A34-81AB-432B-8DAE-1953F412C126}" type="datetimeFigureOut">
               <a:rPr lang="en-US" dirty="0"/>
-              <a:t>5/10/2017</a:t>
+              <a:t>5/11/2017</a:t>
             </a:fld>
             <a:endParaRPr lang="en-US" dirty="0"/>
           </a:p>
@@ -11933,7 +11938,7 @@
             <a:fld id="{48A87A34-81AB-432B-8DAE-1953F412C126}" type="datetimeFigureOut">
               <a:rPr lang="en-US" dirty="0"/>
               <a:pPr/>
-              <a:t>5/10/2017</a:t>
+              <a:t>5/11/2017</a:t>
             </a:fld>
             <a:endParaRPr lang="en-US" dirty="0"/>
           </a:p>
@@ -12518,6 +12523,183 @@
   <p:clrMapOvr>
     <a:masterClrMapping/>
   </p:clrMapOvr>
+  <p:timing>
+    <p:tnLst>
+      <p:par>
+        <p:cTn id="1" dur="indefinite" restart="never" nodeType="tmRoot">
+          <p:childTnLst>
+            <p:seq concurrent="1" nextAc="seek">
+              <p:cTn id="2" dur="indefinite" nodeType="mainSeq">
+                <p:childTnLst>
+                  <p:par>
+                    <p:cTn id="3" fill="hold">
+                      <p:stCondLst>
+                        <p:cond delay="indefinite"/>
+                      </p:stCondLst>
+                      <p:childTnLst>
+                        <p:par>
+                          <p:cTn id="4" fill="hold">
+                            <p:stCondLst>
+                              <p:cond delay="0"/>
+                            </p:stCondLst>
+                            <p:childTnLst>
+                              <p:par>
+                                <p:cTn id="5" presetID="1" presetClass="entr" presetSubtype="0" fill="hold" nodeType="clickEffect">
+                                  <p:stCondLst>
+                                    <p:cond delay="0"/>
+                                  </p:stCondLst>
+                                  <p:childTnLst>
+                                    <p:set>
+                                      <p:cBhvr>
+                                        <p:cTn id="6" dur="1" fill="hold">
+                                          <p:stCondLst>
+                                            <p:cond delay="0"/>
+                                          </p:stCondLst>
+                                        </p:cTn>
+                                        <p:tgtEl>
+                                          <p:spTgt spid="3">
+                                            <p:txEl>
+                                              <p:pRg st="0" end="0"/>
+                                            </p:txEl>
+                                          </p:spTgt>
+                                        </p:tgtEl>
+                                        <p:attrNameLst>
+                                          <p:attrName>style.visibility</p:attrName>
+                                        </p:attrNameLst>
+                                      </p:cBhvr>
+                                      <p:to>
+                                        <p:strVal val="visible"/>
+                                      </p:to>
+                                    </p:set>
+                                  </p:childTnLst>
+                                </p:cTn>
+                              </p:par>
+                            </p:childTnLst>
+                          </p:cTn>
+                        </p:par>
+                      </p:childTnLst>
+                    </p:cTn>
+                  </p:par>
+                  <p:par>
+                    <p:cTn id="7" fill="hold">
+                      <p:stCondLst>
+                        <p:cond delay="indefinite"/>
+                      </p:stCondLst>
+                      <p:childTnLst>
+                        <p:par>
+                          <p:cTn id="8" fill="hold">
+                            <p:stCondLst>
+                              <p:cond delay="0"/>
+                            </p:stCondLst>
+                            <p:childTnLst>
+                              <p:par>
+                                <p:cTn id="9" presetID="1" presetClass="entr" presetSubtype="0" fill="hold" nodeType="clickEffect">
+                                  <p:stCondLst>
+                                    <p:cond delay="0"/>
+                                  </p:stCondLst>
+                                  <p:childTnLst>
+                                    <p:set>
+                                      <p:cBhvr>
+                                        <p:cTn id="10" dur="1" fill="hold">
+                                          <p:stCondLst>
+                                            <p:cond delay="0"/>
+                                          </p:stCondLst>
+                                        </p:cTn>
+                                        <p:tgtEl>
+                                          <p:spTgt spid="3">
+                                            <p:txEl>
+                                              <p:pRg st="1" end="1"/>
+                                            </p:txEl>
+                                          </p:spTgt>
+                                        </p:tgtEl>
+                                        <p:attrNameLst>
+                                          <p:attrName>style.visibility</p:attrName>
+                                        </p:attrNameLst>
+                                      </p:cBhvr>
+                                      <p:to>
+                                        <p:strVal val="visible"/>
+                                      </p:to>
+                                    </p:set>
+                                  </p:childTnLst>
+                                </p:cTn>
+                              </p:par>
+                            </p:childTnLst>
+                          </p:cTn>
+                        </p:par>
+                      </p:childTnLst>
+                    </p:cTn>
+                  </p:par>
+                  <p:par>
+                    <p:cTn id="11" fill="hold">
+                      <p:stCondLst>
+                        <p:cond delay="indefinite"/>
+                      </p:stCondLst>
+                      <p:childTnLst>
+                        <p:par>
+                          <p:cTn id="12" fill="hold">
+                            <p:stCondLst>
+                              <p:cond delay="0"/>
+                            </p:stCondLst>
+                            <p:childTnLst>
+                              <p:par>
+                                <p:cTn id="13" presetID="1" presetClass="entr" presetSubtype="0" fill="hold" nodeType="clickEffect">
+                                  <p:stCondLst>
+                                    <p:cond delay="0"/>
+                                  </p:stCondLst>
+                                  <p:childTnLst>
+                                    <p:set>
+                                      <p:cBhvr>
+                                        <p:cTn id="14" dur="1" fill="hold">
+                                          <p:stCondLst>
+                                            <p:cond delay="0"/>
+                                          </p:stCondLst>
+                                        </p:cTn>
+                                        <p:tgtEl>
+                                          <p:spTgt spid="3">
+                                            <p:txEl>
+                                              <p:pRg st="2" end="2"/>
+                                            </p:txEl>
+                                          </p:spTgt>
+                                        </p:tgtEl>
+                                        <p:attrNameLst>
+                                          <p:attrName>style.visibility</p:attrName>
+                                        </p:attrNameLst>
+                                      </p:cBhvr>
+                                      <p:to>
+                                        <p:strVal val="visible"/>
+                                      </p:to>
+                                    </p:set>
+                                  </p:childTnLst>
+                                </p:cTn>
+                              </p:par>
+                            </p:childTnLst>
+                          </p:cTn>
+                        </p:par>
+                      </p:childTnLst>
+                    </p:cTn>
+                  </p:par>
+                </p:childTnLst>
+              </p:cTn>
+              <p:prevCondLst>
+                <p:cond evt="onPrev" delay="0">
+                  <p:tgtEl>
+                    <p:sldTgt/>
+                  </p:tgtEl>
+                </p:cond>
+              </p:prevCondLst>
+              <p:nextCondLst>
+                <p:cond evt="onNext" delay="0">
+                  <p:tgtEl>
+                    <p:sldTgt/>
+                  </p:tgtEl>
+                </p:cond>
+              </p:nextCondLst>
+            </p:seq>
+          </p:childTnLst>
+        </p:cTn>
+      </p:par>
+    </p:tnLst>
+  </p:timing>
 </p:sld>
 </file>
 
@@ -12626,6 +12808,330 @@
   <p:clrMapOvr>
     <a:masterClrMapping/>
   </p:clrMapOvr>
+  <p:timing>
+    <p:tnLst>
+      <p:par>
+        <p:cTn id="1" dur="indefinite" restart="never" nodeType="tmRoot">
+          <p:childTnLst>
+            <p:seq concurrent="1" nextAc="seek">
+              <p:cTn id="2" dur="indefinite" nodeType="mainSeq">
+                <p:childTnLst>
+                  <p:par>
+                    <p:cTn id="3" fill="hold">
+                      <p:stCondLst>
+                        <p:cond delay="indefinite"/>
+                      </p:stCondLst>
+                      <p:childTnLst>
+                        <p:par>
+                          <p:cTn id="4" fill="hold">
+                            <p:stCondLst>
+                              <p:cond delay="0"/>
+                            </p:stCondLst>
+                            <p:childTnLst>
+                              <p:par>
+                                <p:cTn id="5" presetID="1" presetClass="entr" presetSubtype="0" fill="hold" nodeType="clickEffect">
+                                  <p:stCondLst>
+                                    <p:cond delay="0"/>
+                                  </p:stCondLst>
+                                  <p:childTnLst>
+                                    <p:set>
+                                      <p:cBhvr>
+                                        <p:cTn id="6" dur="1" fill="hold">
+                                          <p:stCondLst>
+                                            <p:cond delay="0"/>
+                                          </p:stCondLst>
+                                        </p:cTn>
+                                        <p:tgtEl>
+                                          <p:spTgt spid="3">
+                                            <p:txEl>
+                                              <p:pRg st="0" end="0"/>
+                                            </p:txEl>
+                                          </p:spTgt>
+                                        </p:tgtEl>
+                                        <p:attrNameLst>
+                                          <p:attrName>style.visibility</p:attrName>
+                                        </p:attrNameLst>
+                                      </p:cBhvr>
+                                      <p:to>
+                                        <p:strVal val="visible"/>
+                                      </p:to>
+                                    </p:set>
+                                  </p:childTnLst>
+                                </p:cTn>
+                              </p:par>
+                            </p:childTnLst>
+                          </p:cTn>
+                        </p:par>
+                      </p:childTnLst>
+                    </p:cTn>
+                  </p:par>
+                  <p:par>
+                    <p:cTn id="7" fill="hold">
+                      <p:stCondLst>
+                        <p:cond delay="indefinite"/>
+                      </p:stCondLst>
+                      <p:childTnLst>
+                        <p:par>
+                          <p:cTn id="8" fill="hold">
+                            <p:stCondLst>
+                              <p:cond delay="0"/>
+                            </p:stCondLst>
+                            <p:childTnLst>
+                              <p:par>
+                                <p:cTn id="9" presetID="1" presetClass="entr" presetSubtype="0" fill="hold" nodeType="clickEffect">
+                                  <p:stCondLst>
+                                    <p:cond delay="0"/>
+                                  </p:stCondLst>
+                                  <p:childTnLst>
+                                    <p:set>
+                                      <p:cBhvr>
+                                        <p:cTn id="10" dur="1" fill="hold">
+                                          <p:stCondLst>
+                                            <p:cond delay="0"/>
+                                          </p:stCondLst>
+                                        </p:cTn>
+                                        <p:tgtEl>
+                                          <p:spTgt spid="3">
+                                            <p:txEl>
+                                              <p:pRg st="1" end="1"/>
+                                            </p:txEl>
+                                          </p:spTgt>
+                                        </p:tgtEl>
+                                        <p:attrNameLst>
+                                          <p:attrName>style.visibility</p:attrName>
+                                        </p:attrNameLst>
+                                      </p:cBhvr>
+                                      <p:to>
+                                        <p:strVal val="visible"/>
+                                      </p:to>
+                                    </p:set>
+                                  </p:childTnLst>
+                                </p:cTn>
+                              </p:par>
+                            </p:childTnLst>
+                          </p:cTn>
+                        </p:par>
+                      </p:childTnLst>
+                    </p:cTn>
+                  </p:par>
+                  <p:par>
+                    <p:cTn id="11" fill="hold">
+                      <p:stCondLst>
+                        <p:cond delay="indefinite"/>
+                      </p:stCondLst>
+                      <p:childTnLst>
+                        <p:par>
+                          <p:cTn id="12" fill="hold">
+                            <p:stCondLst>
+                              <p:cond delay="0"/>
+                            </p:stCondLst>
+                            <p:childTnLst>
+                              <p:par>
+                                <p:cTn id="13" presetID="1" presetClass="entr" presetSubtype="0" fill="hold" nodeType="clickEffect">
+                                  <p:stCondLst>
+                                    <p:cond delay="0"/>
+                                  </p:stCondLst>
+                                  <p:childTnLst>
+                                    <p:set>
+                                      <p:cBhvr>
+                                        <p:cTn id="14" dur="1" fill="hold">
+                                          <p:stCondLst>
+                                            <p:cond delay="0"/>
+                                          </p:stCondLst>
+                                        </p:cTn>
+                                        <p:tgtEl>
+                                          <p:spTgt spid="3">
+                                            <p:txEl>
+                                              <p:pRg st="2" end="2"/>
+                                            </p:txEl>
+                                          </p:spTgt>
+                                        </p:tgtEl>
+                                        <p:attrNameLst>
+                                          <p:attrName>style.visibility</p:attrName>
+                                        </p:attrNameLst>
+                                      </p:cBhvr>
+                                      <p:to>
+                                        <p:strVal val="visible"/>
+                                      </p:to>
+                                    </p:set>
+                                  </p:childTnLst>
+                                </p:cTn>
+                              </p:par>
+                            </p:childTnLst>
+                          </p:cTn>
+                        </p:par>
+                      </p:childTnLst>
+                    </p:cTn>
+                  </p:par>
+                  <p:par>
+                    <p:cTn id="15" fill="hold">
+                      <p:stCondLst>
+                        <p:cond delay="indefinite"/>
+                      </p:stCondLst>
+                      <p:childTnLst>
+                        <p:par>
+                          <p:cTn id="16" fill="hold">
+                            <p:stCondLst>
+                              <p:cond delay="0"/>
+                            </p:stCondLst>
+                            <p:childTnLst>
+                              <p:par>
+                                <p:cTn id="17" presetID="1" presetClass="entr" presetSubtype="0" fill="hold" nodeType="clickEffect">
+                                  <p:stCondLst>
+                                    <p:cond delay="0"/>
+                                  </p:stCondLst>
+                                  <p:childTnLst>
+                                    <p:set>
+                                      <p:cBhvr>
+                                        <p:cTn id="18" dur="1" fill="hold">
+                                          <p:stCondLst>
+                                            <p:cond delay="0"/>
+                                          </p:stCondLst>
+                                        </p:cTn>
+                                        <p:tgtEl>
+                                          <p:spTgt spid="3">
+                                            <p:txEl>
+                                              <p:pRg st="3" end="3"/>
+                                            </p:txEl>
+                                          </p:spTgt>
+                                        </p:tgtEl>
+                                        <p:attrNameLst>
+                                          <p:attrName>style.visibility</p:attrName>
+                                        </p:attrNameLst>
+                                      </p:cBhvr>
+                                      <p:to>
+                                        <p:strVal val="visible"/>
+                                      </p:to>
+                                    </p:set>
+                                  </p:childTnLst>
+                                </p:cTn>
+                              </p:par>
+                            </p:childTnLst>
+                          </p:cTn>
+                        </p:par>
+                      </p:childTnLst>
+                    </p:cTn>
+                  </p:par>
+                  <p:par>
+                    <p:cTn id="19" fill="hold">
+                      <p:stCondLst>
+                        <p:cond delay="indefinite"/>
+                      </p:stCondLst>
+                      <p:childTnLst>
+                        <p:par>
+                          <p:cTn id="20" fill="hold">
+                            <p:stCondLst>
+                              <p:cond delay="0"/>
+                            </p:stCondLst>
+                            <p:childTnLst>
+                              <p:par>
+                                <p:cTn id="21" presetID="1" presetClass="entr" presetSubtype="0" fill="hold" nodeType="clickEffect">
+                                  <p:stCondLst>
+                                    <p:cond delay="0"/>
+                                  </p:stCondLst>
+                                  <p:childTnLst>
+                                    <p:set>
+                                      <p:cBhvr>
+                                        <p:cTn id="22" dur="1" fill="hold">
+                                          <p:stCondLst>
+                                            <p:cond delay="0"/>
+                                          </p:stCondLst>
+                                        </p:cTn>
+                                        <p:tgtEl>
+                                          <p:spTgt spid="3">
+                                            <p:txEl>
+                                              <p:pRg st="4" end="4"/>
+                                            </p:txEl>
+                                          </p:spTgt>
+                                        </p:tgtEl>
+                                        <p:attrNameLst>
+                                          <p:attrName>style.visibility</p:attrName>
+                                        </p:attrNameLst>
+                                      </p:cBhvr>
+                                      <p:to>
+                                        <p:strVal val="visible"/>
+                                      </p:to>
+                                    </p:set>
+                                  </p:childTnLst>
+                                </p:cTn>
+                              </p:par>
+                            </p:childTnLst>
+                          </p:cTn>
+                        </p:par>
+                      </p:childTnLst>
+                    </p:cTn>
+                  </p:par>
+                  <p:par>
+                    <p:cTn id="23" fill="hold">
+                      <p:stCondLst>
+                        <p:cond delay="indefinite"/>
+                      </p:stCondLst>
+                      <p:childTnLst>
+                        <p:par>
+                          <p:cTn id="24" fill="hold">
+                            <p:stCondLst>
+                              <p:cond delay="0"/>
+                            </p:stCondLst>
+                            <p:childTnLst>
+                              <p:par>
+                                <p:cTn id="25" presetID="1" presetClass="entr" presetSubtype="0" fill="hold" nodeType="clickEffect">
+                                  <p:stCondLst>
+                                    <p:cond delay="0"/>
+                                  </p:stCondLst>
+                                  <p:childTnLst>
+                                    <p:set>
+                                      <p:cBhvr>
+                                        <p:cTn id="26" dur="1" fill="hold">
+                                          <p:stCondLst>
+                                            <p:cond delay="0"/>
+                                          </p:stCondLst>
+                                        </p:cTn>
+                                        <p:tgtEl>
+                                          <p:spTgt spid="3">
+                                            <p:txEl>
+                                              <p:pRg st="5" end="5"/>
+                                            </p:txEl>
+                                          </p:spTgt>
+                                        </p:tgtEl>
+                                        <p:attrNameLst>
+                                          <p:attrName>style.visibility</p:attrName>
+                                        </p:attrNameLst>
+                                      </p:cBhvr>
+                                      <p:to>
+                                        <p:strVal val="visible"/>
+                                      </p:to>
+                                    </p:set>
+                                  </p:childTnLst>
+                                </p:cTn>
+                              </p:par>
+                            </p:childTnLst>
+                          </p:cTn>
+                        </p:par>
+                      </p:childTnLst>
+                    </p:cTn>
+                  </p:par>
+                </p:childTnLst>
+              </p:cTn>
+              <p:prevCondLst>
+                <p:cond evt="onPrev" delay="0">
+                  <p:tgtEl>
+                    <p:sldTgt/>
+                  </p:tgtEl>
+                </p:cond>
+              </p:prevCondLst>
+              <p:nextCondLst>
+                <p:cond evt="onNext" delay="0">
+                  <p:tgtEl>
+                    <p:sldTgt/>
+                  </p:tgtEl>
+                </p:cond>
+              </p:nextCondLst>
+            </p:seq>
+          </p:childTnLst>
+        </p:cTn>
+      </p:par>
+    </p:tnLst>
+  </p:timing>
 </p:sld>
 </file>
 
@@ -12689,12 +13195,6 @@
             </a:r>
           </a:p>
           <a:p>
-            <a:r>
-              <a:rPr lang="en-US" dirty="0"/>
-              <a:t>(insert picture of code)</a:t>
-            </a:r>
-          </a:p>
-          <a:p>
             <a:pPr marL="0" indent="0">
               <a:buNone/>
             </a:pPr>
@@ -12702,6 +13202,30 @@
           </a:p>
         </p:txBody>
       </p:sp>
+      <p:pic>
+        <p:nvPicPr>
+          <p:cNvPr id="5" name="Picture 4"/>
+          <p:cNvPicPr>
+            <a:picLocks noChangeAspect="1"/>
+          </p:cNvPicPr>
+          <p:nvPr/>
+        </p:nvPicPr>
+        <p:blipFill>
+          <a:blip r:embed="rId2"/>
+          <a:stretch>
+            <a:fillRect/>
+          </a:stretch>
+        </p:blipFill>
+        <p:spPr>
+          <a:xfrm>
+            <a:off x="914400" y="3303766"/>
+            <a:ext cx="10391888" cy="2487435"/>
+          </a:xfrm>
+          <a:prstGeom prst="rect">
+            <a:avLst/>
+          </a:prstGeom>
+        </p:spPr>
+      </p:pic>
     </p:spTree>
     <p:extLst>
       <p:ext uri="{BB962C8B-B14F-4D97-AF65-F5344CB8AC3E}">
@@ -12712,6 +13236,112 @@
   <p:clrMapOvr>
     <a:masterClrMapping/>
   </p:clrMapOvr>
+  <p:timing>
+    <p:tnLst>
+      <p:par>
+        <p:cTn id="1" dur="indefinite" restart="never" nodeType="tmRoot">
+          <p:childTnLst>
+            <p:seq concurrent="1" nextAc="seek">
+              <p:cTn id="2" dur="indefinite" nodeType="mainSeq">
+                <p:childTnLst>
+                  <p:par>
+                    <p:cTn id="3" fill="hold">
+                      <p:stCondLst>
+                        <p:cond delay="indefinite"/>
+                      </p:stCondLst>
+                      <p:childTnLst>
+                        <p:par>
+                          <p:cTn id="4" fill="hold">
+                            <p:stCondLst>
+                              <p:cond delay="0"/>
+                            </p:stCondLst>
+                            <p:childTnLst>
+                              <p:par>
+                                <p:cTn id="5" presetID="1" presetClass="entr" presetSubtype="0" fill="hold" nodeType="clickEffect">
+                                  <p:stCondLst>
+                                    <p:cond delay="0"/>
+                                  </p:stCondLst>
+                                  <p:childTnLst>
+                                    <p:set>
+                                      <p:cBhvr>
+                                        <p:cTn id="6" dur="1" fill="hold">
+                                          <p:stCondLst>
+                                            <p:cond delay="0"/>
+                                          </p:stCondLst>
+                                        </p:cTn>
+                                        <p:tgtEl>
+                                          <p:spTgt spid="3">
+                                            <p:txEl>
+                                              <p:pRg st="0" end="0"/>
+                                            </p:txEl>
+                                          </p:spTgt>
+                                        </p:tgtEl>
+                                        <p:attrNameLst>
+                                          <p:attrName>style.visibility</p:attrName>
+                                        </p:attrNameLst>
+                                      </p:cBhvr>
+                                      <p:to>
+                                        <p:strVal val="visible"/>
+                                      </p:to>
+                                    </p:set>
+                                  </p:childTnLst>
+                                </p:cTn>
+                              </p:par>
+                              <p:par>
+                                <p:cTn id="7" presetID="1" presetClass="entr" presetSubtype="0" fill="hold" nodeType="withEffect">
+                                  <p:stCondLst>
+                                    <p:cond delay="0"/>
+                                  </p:stCondLst>
+                                  <p:childTnLst>
+                                    <p:set>
+                                      <p:cBhvr>
+                                        <p:cTn id="8" dur="1" fill="hold">
+                                          <p:stCondLst>
+                                            <p:cond delay="0"/>
+                                          </p:stCondLst>
+                                        </p:cTn>
+                                        <p:tgtEl>
+                                          <p:spTgt spid="5"/>
+                                        </p:tgtEl>
+                                        <p:attrNameLst>
+                                          <p:attrName>style.visibility</p:attrName>
+                                        </p:attrNameLst>
+                                      </p:cBhvr>
+                                      <p:to>
+                                        <p:strVal val="visible"/>
+                                      </p:to>
+                                    </p:set>
+                                  </p:childTnLst>
+                                </p:cTn>
+                              </p:par>
+                            </p:childTnLst>
+                          </p:cTn>
+                        </p:par>
+                      </p:childTnLst>
+                    </p:cTn>
+                  </p:par>
+                </p:childTnLst>
+              </p:cTn>
+              <p:prevCondLst>
+                <p:cond evt="onPrev" delay="0">
+                  <p:tgtEl>
+                    <p:sldTgt/>
+                  </p:tgtEl>
+                </p:cond>
+              </p:prevCondLst>
+              <p:nextCondLst>
+                <p:cond evt="onNext" delay="0">
+                  <p:tgtEl>
+                    <p:sldTgt/>
+                  </p:tgtEl>
+                </p:cond>
+              </p:nextCondLst>
+            </p:seq>
+          </p:childTnLst>
+        </p:cTn>
+      </p:par>
+    </p:tnLst>
+  </p:timing>
 </p:sld>
 </file>
 
@@ -12815,6 +13445,281 @@
   <p:clrMapOvr>
     <a:masterClrMapping/>
   </p:clrMapOvr>
+  <p:timing>
+    <p:tnLst>
+      <p:par>
+        <p:cTn id="1" dur="indefinite" restart="never" nodeType="tmRoot">
+          <p:childTnLst>
+            <p:seq concurrent="1" nextAc="seek">
+              <p:cTn id="2" dur="indefinite" nodeType="mainSeq">
+                <p:childTnLst>
+                  <p:par>
+                    <p:cTn id="3" fill="hold">
+                      <p:stCondLst>
+                        <p:cond delay="indefinite"/>
+                      </p:stCondLst>
+                      <p:childTnLst>
+                        <p:par>
+                          <p:cTn id="4" fill="hold">
+                            <p:stCondLst>
+                              <p:cond delay="0"/>
+                            </p:stCondLst>
+                            <p:childTnLst>
+                              <p:par>
+                                <p:cTn id="5" presetID="1" presetClass="entr" presetSubtype="0" fill="hold" nodeType="clickEffect">
+                                  <p:stCondLst>
+                                    <p:cond delay="0"/>
+                                  </p:stCondLst>
+                                  <p:childTnLst>
+                                    <p:set>
+                                      <p:cBhvr>
+                                        <p:cTn id="6" dur="1" fill="hold">
+                                          <p:stCondLst>
+                                            <p:cond delay="0"/>
+                                          </p:stCondLst>
+                                        </p:cTn>
+                                        <p:tgtEl>
+                                          <p:spTgt spid="3">
+                                            <p:txEl>
+                                              <p:pRg st="0" end="0"/>
+                                            </p:txEl>
+                                          </p:spTgt>
+                                        </p:tgtEl>
+                                        <p:attrNameLst>
+                                          <p:attrName>style.visibility</p:attrName>
+                                        </p:attrNameLst>
+                                      </p:cBhvr>
+                                      <p:to>
+                                        <p:strVal val="visible"/>
+                                      </p:to>
+                                    </p:set>
+                                  </p:childTnLst>
+                                </p:cTn>
+                              </p:par>
+                            </p:childTnLst>
+                          </p:cTn>
+                        </p:par>
+                      </p:childTnLst>
+                    </p:cTn>
+                  </p:par>
+                  <p:par>
+                    <p:cTn id="7" fill="hold">
+                      <p:stCondLst>
+                        <p:cond delay="indefinite"/>
+                      </p:stCondLst>
+                      <p:childTnLst>
+                        <p:par>
+                          <p:cTn id="8" fill="hold">
+                            <p:stCondLst>
+                              <p:cond delay="0"/>
+                            </p:stCondLst>
+                            <p:childTnLst>
+                              <p:par>
+                                <p:cTn id="9" presetID="1" presetClass="entr" presetSubtype="0" fill="hold" nodeType="clickEffect">
+                                  <p:stCondLst>
+                                    <p:cond delay="0"/>
+                                  </p:stCondLst>
+                                  <p:childTnLst>
+                                    <p:set>
+                                      <p:cBhvr>
+                                        <p:cTn id="10" dur="1" fill="hold">
+                                          <p:stCondLst>
+                                            <p:cond delay="0"/>
+                                          </p:stCondLst>
+                                        </p:cTn>
+                                        <p:tgtEl>
+                                          <p:spTgt spid="3">
+                                            <p:txEl>
+                                              <p:pRg st="1" end="1"/>
+                                            </p:txEl>
+                                          </p:spTgt>
+                                        </p:tgtEl>
+                                        <p:attrNameLst>
+                                          <p:attrName>style.visibility</p:attrName>
+                                        </p:attrNameLst>
+                                      </p:cBhvr>
+                                      <p:to>
+                                        <p:strVal val="visible"/>
+                                      </p:to>
+                                    </p:set>
+                                  </p:childTnLst>
+                                </p:cTn>
+                              </p:par>
+                            </p:childTnLst>
+                          </p:cTn>
+                        </p:par>
+                      </p:childTnLst>
+                    </p:cTn>
+                  </p:par>
+                  <p:par>
+                    <p:cTn id="11" fill="hold">
+                      <p:stCondLst>
+                        <p:cond delay="indefinite"/>
+                      </p:stCondLst>
+                      <p:childTnLst>
+                        <p:par>
+                          <p:cTn id="12" fill="hold">
+                            <p:stCondLst>
+                              <p:cond delay="0"/>
+                            </p:stCondLst>
+                            <p:childTnLst>
+                              <p:par>
+                                <p:cTn id="13" presetID="1" presetClass="entr" presetSubtype="0" fill="hold" nodeType="clickEffect">
+                                  <p:stCondLst>
+                                    <p:cond delay="0"/>
+                                  </p:stCondLst>
+                                  <p:childTnLst>
+                                    <p:set>
+                                      <p:cBhvr>
+                                        <p:cTn id="14" dur="1" fill="hold">
+                                          <p:stCondLst>
+                                            <p:cond delay="0"/>
+                                          </p:stCondLst>
+                                        </p:cTn>
+                                        <p:tgtEl>
+                                          <p:spTgt spid="3">
+                                            <p:txEl>
+                                              <p:pRg st="2" end="2"/>
+                                            </p:txEl>
+                                          </p:spTgt>
+                                        </p:tgtEl>
+                                        <p:attrNameLst>
+                                          <p:attrName>style.visibility</p:attrName>
+                                        </p:attrNameLst>
+                                      </p:cBhvr>
+                                      <p:to>
+                                        <p:strVal val="visible"/>
+                                      </p:to>
+                                    </p:set>
+                                  </p:childTnLst>
+                                </p:cTn>
+                              </p:par>
+                            </p:childTnLst>
+                          </p:cTn>
+                        </p:par>
+                      </p:childTnLst>
+                    </p:cTn>
+                  </p:par>
+                  <p:par>
+                    <p:cTn id="15" fill="hold">
+                      <p:stCondLst>
+                        <p:cond delay="indefinite"/>
+                      </p:stCondLst>
+                      <p:childTnLst>
+                        <p:par>
+                          <p:cTn id="16" fill="hold">
+                            <p:stCondLst>
+                              <p:cond delay="0"/>
+                            </p:stCondLst>
+                            <p:childTnLst>
+                              <p:par>
+                                <p:cTn id="17" presetID="1" presetClass="entr" presetSubtype="0" fill="hold" nodeType="clickEffect">
+                                  <p:stCondLst>
+                                    <p:cond delay="0"/>
+                                  </p:stCondLst>
+                                  <p:childTnLst>
+                                    <p:set>
+                                      <p:cBhvr>
+                                        <p:cTn id="18" dur="1" fill="hold">
+                                          <p:stCondLst>
+                                            <p:cond delay="0"/>
+                                          </p:stCondLst>
+                                        </p:cTn>
+                                        <p:tgtEl>
+                                          <p:spTgt spid="3">
+                                            <p:txEl>
+                                              <p:pRg st="3" end="3"/>
+                                            </p:txEl>
+                                          </p:spTgt>
+                                        </p:tgtEl>
+                                        <p:attrNameLst>
+                                          <p:attrName>style.visibility</p:attrName>
+                                        </p:attrNameLst>
+                                      </p:cBhvr>
+                                      <p:to>
+                                        <p:strVal val="visible"/>
+                                      </p:to>
+                                    </p:set>
+                                  </p:childTnLst>
+                                </p:cTn>
+                              </p:par>
+                            </p:childTnLst>
+                          </p:cTn>
+                        </p:par>
+                      </p:childTnLst>
+                    </p:cTn>
+                  </p:par>
+                  <p:par>
+                    <p:cTn id="19" fill="hold">
+                      <p:stCondLst>
+                        <p:cond delay="indefinite"/>
+                      </p:stCondLst>
+                      <p:childTnLst>
+                        <p:par>
+                          <p:cTn id="20" fill="hold">
+                            <p:stCondLst>
+                              <p:cond delay="0"/>
+                            </p:stCondLst>
+                            <p:childTnLst>
+                              <p:par>
+                                <p:cTn id="21" presetID="1" presetClass="entr" presetSubtype="0" fill="hold" nodeType="clickEffect">
+                                  <p:stCondLst>
+                                    <p:cond delay="0"/>
+                                  </p:stCondLst>
+                                  <p:childTnLst>
+                                    <p:set>
+                                      <p:cBhvr>
+                                        <p:cTn id="22" dur="1" fill="hold">
+                                          <p:stCondLst>
+                                            <p:cond delay="0"/>
+                                          </p:stCondLst>
+                                        </p:cTn>
+                                        <p:tgtEl>
+                                          <p:spTgt spid="3">
+                                            <p:txEl>
+                                              <p:pRg st="4" end="4"/>
+                                            </p:txEl>
+                                          </p:spTgt>
+                                        </p:tgtEl>
+                                        <p:attrNameLst>
+                                          <p:attrName>style.visibility</p:attrName>
+                                        </p:attrNameLst>
+                                      </p:cBhvr>
+                                      <p:to>
+                                        <p:strVal val="visible"/>
+                                      </p:to>
+                                    </p:set>
+                                  </p:childTnLst>
+                                </p:cTn>
+                              </p:par>
+                            </p:childTnLst>
+                          </p:cTn>
+                        </p:par>
+                      </p:childTnLst>
+                    </p:cTn>
+                  </p:par>
+                </p:childTnLst>
+              </p:cTn>
+              <p:prevCondLst>
+                <p:cond evt="onPrev" delay="0">
+                  <p:tgtEl>
+                    <p:sldTgt/>
+                  </p:tgtEl>
+                </p:cond>
+              </p:prevCondLst>
+              <p:nextCondLst>
+                <p:cond evt="onNext" delay="0">
+                  <p:tgtEl>
+                    <p:sldTgt/>
+                  </p:tgtEl>
+                </p:cond>
+              </p:nextCondLst>
+            </p:seq>
+          </p:childTnLst>
+        </p:cTn>
+      </p:par>
+    </p:tnLst>
+  </p:timing>
 </p:sld>
 </file>
 
@@ -12980,6 +13885,281 @@
   <p:clrMapOvr>
     <a:masterClrMapping/>
   </p:clrMapOvr>
+  <p:timing>
+    <p:tnLst>
+      <p:par>
+        <p:cTn id="1" dur="indefinite" restart="never" nodeType="tmRoot">
+          <p:childTnLst>
+            <p:seq concurrent="1" nextAc="seek">
+              <p:cTn id="2" dur="indefinite" nodeType="mainSeq">
+                <p:childTnLst>
+                  <p:par>
+                    <p:cTn id="3" fill="hold">
+                      <p:stCondLst>
+                        <p:cond delay="indefinite"/>
+                      </p:stCondLst>
+                      <p:childTnLst>
+                        <p:par>
+                          <p:cTn id="4" fill="hold">
+                            <p:stCondLst>
+                              <p:cond delay="0"/>
+                            </p:stCondLst>
+                            <p:childTnLst>
+                              <p:par>
+                                <p:cTn id="5" presetID="1" presetClass="entr" presetSubtype="0" fill="hold" nodeType="clickEffect">
+                                  <p:stCondLst>
+                                    <p:cond delay="0"/>
+                                  </p:stCondLst>
+                                  <p:childTnLst>
+                                    <p:set>
+                                      <p:cBhvr>
+                                        <p:cTn id="6" dur="1" fill="hold">
+                                          <p:stCondLst>
+                                            <p:cond delay="0"/>
+                                          </p:stCondLst>
+                                        </p:cTn>
+                                        <p:tgtEl>
+                                          <p:spTgt spid="3">
+                                            <p:txEl>
+                                              <p:pRg st="0" end="0"/>
+                                            </p:txEl>
+                                          </p:spTgt>
+                                        </p:tgtEl>
+                                        <p:attrNameLst>
+                                          <p:attrName>style.visibility</p:attrName>
+                                        </p:attrNameLst>
+                                      </p:cBhvr>
+                                      <p:to>
+                                        <p:strVal val="visible"/>
+                                      </p:to>
+                                    </p:set>
+                                  </p:childTnLst>
+                                </p:cTn>
+                              </p:par>
+                            </p:childTnLst>
+                          </p:cTn>
+                        </p:par>
+                      </p:childTnLst>
+                    </p:cTn>
+                  </p:par>
+                  <p:par>
+                    <p:cTn id="7" fill="hold">
+                      <p:stCondLst>
+                        <p:cond delay="indefinite"/>
+                      </p:stCondLst>
+                      <p:childTnLst>
+                        <p:par>
+                          <p:cTn id="8" fill="hold">
+                            <p:stCondLst>
+                              <p:cond delay="0"/>
+                            </p:stCondLst>
+                            <p:childTnLst>
+                              <p:par>
+                                <p:cTn id="9" presetID="1" presetClass="entr" presetSubtype="0" fill="hold" nodeType="clickEffect">
+                                  <p:stCondLst>
+                                    <p:cond delay="0"/>
+                                  </p:stCondLst>
+                                  <p:childTnLst>
+                                    <p:set>
+                                      <p:cBhvr>
+                                        <p:cTn id="10" dur="1" fill="hold">
+                                          <p:stCondLst>
+                                            <p:cond delay="0"/>
+                                          </p:stCondLst>
+                                        </p:cTn>
+                                        <p:tgtEl>
+                                          <p:spTgt spid="3">
+                                            <p:txEl>
+                                              <p:pRg st="1" end="1"/>
+                                            </p:txEl>
+                                          </p:spTgt>
+                                        </p:tgtEl>
+                                        <p:attrNameLst>
+                                          <p:attrName>style.visibility</p:attrName>
+                                        </p:attrNameLst>
+                                      </p:cBhvr>
+                                      <p:to>
+                                        <p:strVal val="visible"/>
+                                      </p:to>
+                                    </p:set>
+                                  </p:childTnLst>
+                                </p:cTn>
+                              </p:par>
+                            </p:childTnLst>
+                          </p:cTn>
+                        </p:par>
+                      </p:childTnLst>
+                    </p:cTn>
+                  </p:par>
+                  <p:par>
+                    <p:cTn id="11" fill="hold">
+                      <p:stCondLst>
+                        <p:cond delay="indefinite"/>
+                      </p:stCondLst>
+                      <p:childTnLst>
+                        <p:par>
+                          <p:cTn id="12" fill="hold">
+                            <p:stCondLst>
+                              <p:cond delay="0"/>
+                            </p:stCondLst>
+                            <p:childTnLst>
+                              <p:par>
+                                <p:cTn id="13" presetID="1" presetClass="entr" presetSubtype="0" fill="hold" nodeType="clickEffect">
+                                  <p:stCondLst>
+                                    <p:cond delay="0"/>
+                                  </p:stCondLst>
+                                  <p:childTnLst>
+                                    <p:set>
+                                      <p:cBhvr>
+                                        <p:cTn id="14" dur="1" fill="hold">
+                                          <p:stCondLst>
+                                            <p:cond delay="0"/>
+                                          </p:stCondLst>
+                                        </p:cTn>
+                                        <p:tgtEl>
+                                          <p:spTgt spid="3">
+                                            <p:txEl>
+                                              <p:pRg st="2" end="2"/>
+                                            </p:txEl>
+                                          </p:spTgt>
+                                        </p:tgtEl>
+                                        <p:attrNameLst>
+                                          <p:attrName>style.visibility</p:attrName>
+                                        </p:attrNameLst>
+                                      </p:cBhvr>
+                                      <p:to>
+                                        <p:strVal val="visible"/>
+                                      </p:to>
+                                    </p:set>
+                                  </p:childTnLst>
+                                </p:cTn>
+                              </p:par>
+                            </p:childTnLst>
+                          </p:cTn>
+                        </p:par>
+                      </p:childTnLst>
+                    </p:cTn>
+                  </p:par>
+                  <p:par>
+                    <p:cTn id="15" fill="hold">
+                      <p:stCondLst>
+                        <p:cond delay="indefinite"/>
+                      </p:stCondLst>
+                      <p:childTnLst>
+                        <p:par>
+                          <p:cTn id="16" fill="hold">
+                            <p:stCondLst>
+                              <p:cond delay="0"/>
+                            </p:stCondLst>
+                            <p:childTnLst>
+                              <p:par>
+                                <p:cTn id="17" presetID="1" presetClass="entr" presetSubtype="0" fill="hold" nodeType="clickEffect">
+                                  <p:stCondLst>
+                                    <p:cond delay="0"/>
+                                  </p:stCondLst>
+                                  <p:childTnLst>
+                                    <p:set>
+                                      <p:cBhvr>
+                                        <p:cTn id="18" dur="1" fill="hold">
+                                          <p:stCondLst>
+                                            <p:cond delay="0"/>
+                                          </p:stCondLst>
+                                        </p:cTn>
+                                        <p:tgtEl>
+                                          <p:spTgt spid="3">
+                                            <p:txEl>
+                                              <p:pRg st="3" end="3"/>
+                                            </p:txEl>
+                                          </p:spTgt>
+                                        </p:tgtEl>
+                                        <p:attrNameLst>
+                                          <p:attrName>style.visibility</p:attrName>
+                                        </p:attrNameLst>
+                                      </p:cBhvr>
+                                      <p:to>
+                                        <p:strVal val="visible"/>
+                                      </p:to>
+                                    </p:set>
+                                  </p:childTnLst>
+                                </p:cTn>
+                              </p:par>
+                            </p:childTnLst>
+                          </p:cTn>
+                        </p:par>
+                      </p:childTnLst>
+                    </p:cTn>
+                  </p:par>
+                  <p:par>
+                    <p:cTn id="19" fill="hold">
+                      <p:stCondLst>
+                        <p:cond delay="indefinite"/>
+                      </p:stCondLst>
+                      <p:childTnLst>
+                        <p:par>
+                          <p:cTn id="20" fill="hold">
+                            <p:stCondLst>
+                              <p:cond delay="0"/>
+                            </p:stCondLst>
+                            <p:childTnLst>
+                              <p:par>
+                                <p:cTn id="21" presetID="1" presetClass="entr" presetSubtype="0" fill="hold" nodeType="clickEffect">
+                                  <p:stCondLst>
+                                    <p:cond delay="0"/>
+                                  </p:stCondLst>
+                                  <p:childTnLst>
+                                    <p:set>
+                                      <p:cBhvr>
+                                        <p:cTn id="22" dur="1" fill="hold">
+                                          <p:stCondLst>
+                                            <p:cond delay="0"/>
+                                          </p:stCondLst>
+                                        </p:cTn>
+                                        <p:tgtEl>
+                                          <p:spTgt spid="3">
+                                            <p:txEl>
+                                              <p:pRg st="5" end="5"/>
+                                            </p:txEl>
+                                          </p:spTgt>
+                                        </p:tgtEl>
+                                        <p:attrNameLst>
+                                          <p:attrName>style.visibility</p:attrName>
+                                        </p:attrNameLst>
+                                      </p:cBhvr>
+                                      <p:to>
+                                        <p:strVal val="visible"/>
+                                      </p:to>
+                                    </p:set>
+                                  </p:childTnLst>
+                                </p:cTn>
+                              </p:par>
+                            </p:childTnLst>
+                          </p:cTn>
+                        </p:par>
+                      </p:childTnLst>
+                    </p:cTn>
+                  </p:par>
+                </p:childTnLst>
+              </p:cTn>
+              <p:prevCondLst>
+                <p:cond evt="onPrev" delay="0">
+                  <p:tgtEl>
+                    <p:sldTgt/>
+                  </p:tgtEl>
+                </p:cond>
+              </p:prevCondLst>
+              <p:nextCondLst>
+                <p:cond evt="onNext" delay="0">
+                  <p:tgtEl>
+                    <p:sldTgt/>
+                  </p:tgtEl>
+                </p:cond>
+              </p:nextCondLst>
+            </p:seq>
+          </p:childTnLst>
+        </p:cTn>
+      </p:par>
+    </p:tnLst>
+  </p:timing>
 </p:sld>
 </file>
 
